--- a/Frontend-UnitTesting.pptx
+++ b/Frontend-UnitTesting.pptx
@@ -228,7 +228,7 @@
           <a:p>
             <a:fld id="{46C003B6-BCEA-46F3-841E-7B3EC6052E68}" type="datetimeFigureOut">
               <a:rPr lang="en-BE" smtClean="0"/>
-              <a:t>28/03/2023</a:t>
+              <a:t>29/03/2023</a:t>
             </a:fld>
             <a:endParaRPr lang="en-BE"/>
           </a:p>
@@ -629,6 +629,10 @@
               <a:buFont typeface="Arial" panose="020B0604020202020204" pitchFamily="34" charset="0"/>
               <a:buNone/>
             </a:pPr>
+            <a:r>
+              <a:rPr lang="en-US"/>
+              <a:t>https://itenium.be/blog/javascript/javascript-testing-jasmine-syntax/#matchers</a:t>
+            </a:r>
             <a:endParaRPr lang="en-BE" dirty="0"/>
           </a:p>
         </p:txBody>
@@ -1048,7 +1052,7 @@
             <a:fld id="{B61BEF0D-F0BB-DE4B-95CE-6DB70DBA9567}" type="datetimeFigureOut">
               <a:rPr lang="en-US" dirty="0"/>
               <a:pPr/>
-              <a:t>3/28/2023</a:t>
+              <a:t>3/29/2023</a:t>
             </a:fld>
             <a:endParaRPr lang="en-US" dirty="0"/>
           </a:p>
@@ -1336,7 +1340,7 @@
             <a:fld id="{B61BEF0D-F0BB-DE4B-95CE-6DB70DBA9567}" type="datetimeFigureOut">
               <a:rPr lang="en-US" dirty="0"/>
               <a:pPr/>
-              <a:t>3/28/2023</a:t>
+              <a:t>3/29/2023</a:t>
             </a:fld>
             <a:endParaRPr lang="en-US" dirty="0"/>
           </a:p>
@@ -1581,7 +1585,7 @@
             <a:fld id="{B61BEF0D-F0BB-DE4B-95CE-6DB70DBA9567}" type="datetimeFigureOut">
               <a:rPr lang="en-US" dirty="0"/>
               <a:pPr/>
-              <a:t>3/28/2023</a:t>
+              <a:t>3/29/2023</a:t>
             </a:fld>
             <a:endParaRPr lang="en-US" dirty="0"/>
           </a:p>
@@ -2114,7 +2118,7 @@
             <a:fld id="{B61BEF0D-F0BB-DE4B-95CE-6DB70DBA9567}" type="datetimeFigureOut">
               <a:rPr lang="en-US" dirty="0"/>
               <a:pPr/>
-              <a:t>3/28/2023</a:t>
+              <a:t>3/29/2023</a:t>
             </a:fld>
             <a:endParaRPr lang="en-US" dirty="0"/>
           </a:p>
@@ -2359,7 +2363,7 @@
             <a:fld id="{B61BEF0D-F0BB-DE4B-95CE-6DB70DBA9567}" type="datetimeFigureOut">
               <a:rPr lang="en-US" dirty="0"/>
               <a:pPr/>
-              <a:t>3/28/2023</a:t>
+              <a:t>3/29/2023</a:t>
             </a:fld>
             <a:endParaRPr lang="en-US" dirty="0"/>
           </a:p>
@@ -2899,7 +2903,7 @@
             <a:fld id="{B61BEF0D-F0BB-DE4B-95CE-6DB70DBA9567}" type="datetimeFigureOut">
               <a:rPr lang="en-US" dirty="0"/>
               <a:pPr/>
-              <a:t>3/28/2023</a:t>
+              <a:t>3/29/2023</a:t>
             </a:fld>
             <a:endParaRPr lang="en-US" dirty="0"/>
           </a:p>
@@ -3206,7 +3210,7 @@
             <a:fld id="{B61BEF0D-F0BB-DE4B-95CE-6DB70DBA9567}" type="datetimeFigureOut">
               <a:rPr lang="en-US" dirty="0"/>
               <a:pPr/>
-              <a:t>3/28/2023</a:t>
+              <a:t>3/29/2023</a:t>
             </a:fld>
             <a:endParaRPr lang="en-US" dirty="0"/>
           </a:p>
@@ -3378,7 +3382,7 @@
             <a:fld id="{B61BEF0D-F0BB-DE4B-95CE-6DB70DBA9567}" type="datetimeFigureOut">
               <a:rPr lang="en-US" dirty="0"/>
               <a:pPr/>
-              <a:t>3/28/2023</a:t>
+              <a:t>3/29/2023</a:t>
             </a:fld>
             <a:endParaRPr lang="en-US" dirty="0"/>
           </a:p>
@@ -3555,7 +3559,7 @@
             <a:fld id="{B61BEF0D-F0BB-DE4B-95CE-6DB70DBA9567}" type="datetimeFigureOut">
               <a:rPr lang="en-US" dirty="0"/>
               <a:pPr/>
-              <a:t>3/28/2023</a:t>
+              <a:t>3/29/2023</a:t>
             </a:fld>
             <a:endParaRPr lang="en-US" dirty="0"/>
           </a:p>
@@ -3722,7 +3726,7 @@
             <a:fld id="{B61BEF0D-F0BB-DE4B-95CE-6DB70DBA9567}" type="datetimeFigureOut">
               <a:rPr lang="en-US" dirty="0"/>
               <a:pPr/>
-              <a:t>3/28/2023</a:t>
+              <a:t>3/29/2023</a:t>
             </a:fld>
             <a:endParaRPr lang="en-US" dirty="0"/>
           </a:p>
@@ -3965,7 +3969,7 @@
             <a:fld id="{B61BEF0D-F0BB-DE4B-95CE-6DB70DBA9567}" type="datetimeFigureOut">
               <a:rPr lang="en-US" dirty="0"/>
               <a:pPr/>
-              <a:t>3/28/2023</a:t>
+              <a:t>3/29/2023</a:t>
             </a:fld>
             <a:endParaRPr lang="en-US" dirty="0"/>
           </a:p>
@@ -4254,7 +4258,7 @@
             <a:fld id="{B61BEF0D-F0BB-DE4B-95CE-6DB70DBA9567}" type="datetimeFigureOut">
               <a:rPr lang="en-US" dirty="0"/>
               <a:pPr/>
-              <a:t>3/28/2023</a:t>
+              <a:t>3/29/2023</a:t>
             </a:fld>
             <a:endParaRPr lang="en-US" dirty="0"/>
           </a:p>
@@ -4681,7 +4685,7 @@
             <a:fld id="{B61BEF0D-F0BB-DE4B-95CE-6DB70DBA9567}" type="datetimeFigureOut">
               <a:rPr lang="en-US" dirty="0"/>
               <a:pPr/>
-              <a:t>3/28/2023</a:t>
+              <a:t>3/29/2023</a:t>
             </a:fld>
             <a:endParaRPr lang="en-US" dirty="0"/>
           </a:p>
@@ -4801,7 +4805,7 @@
             <a:fld id="{B61BEF0D-F0BB-DE4B-95CE-6DB70DBA9567}" type="datetimeFigureOut">
               <a:rPr lang="en-US" dirty="0"/>
               <a:pPr/>
-              <a:t>3/28/2023</a:t>
+              <a:t>3/29/2023</a:t>
             </a:fld>
             <a:endParaRPr lang="en-US" dirty="0"/>
           </a:p>
@@ -4893,7 +4897,7 @@
             <a:fld id="{B61BEF0D-F0BB-DE4B-95CE-6DB70DBA9567}" type="datetimeFigureOut">
               <a:rPr lang="en-US" dirty="0"/>
               <a:pPr/>
-              <a:t>3/28/2023</a:t>
+              <a:t>3/29/2023</a:t>
             </a:fld>
             <a:endParaRPr lang="en-US" dirty="0"/>
           </a:p>
@@ -5173,7 +5177,7 @@
             <a:fld id="{B61BEF0D-F0BB-DE4B-95CE-6DB70DBA9567}" type="datetimeFigureOut">
               <a:rPr lang="en-US" dirty="0"/>
               <a:pPr/>
-              <a:t>3/28/2023</a:t>
+              <a:t>3/29/2023</a:t>
             </a:fld>
             <a:endParaRPr lang="en-US" dirty="0"/>
           </a:p>
@@ -5461,7 +5465,7 @@
             <a:fld id="{B61BEF0D-F0BB-DE4B-95CE-6DB70DBA9567}" type="datetimeFigureOut">
               <a:rPr lang="en-US" dirty="0"/>
               <a:pPr/>
-              <a:t>3/28/2023</a:t>
+              <a:t>3/29/2023</a:t>
             </a:fld>
             <a:endParaRPr lang="en-US" dirty="0"/>
           </a:p>
@@ -5689,7 +5693,7 @@
             <a:fld id="{B61BEF0D-F0BB-DE4B-95CE-6DB70DBA9567}" type="datetimeFigureOut">
               <a:rPr lang="en-US" dirty="0"/>
               <a:pPr/>
-              <a:t>3/28/2023</a:t>
+              <a:t>3/29/2023</a:t>
             </a:fld>
             <a:endParaRPr lang="en-US" dirty="0"/>
           </a:p>
@@ -6861,21 +6865,19 @@
         </p:nvSpPr>
         <p:spPr>
           <a:xfrm>
-            <a:off x="172343" y="613652"/>
-            <a:ext cx="11542512" cy="860893"/>
+            <a:off x="401206" y="1104970"/>
+            <a:ext cx="2693686" cy="860893"/>
           </a:xfrm>
         </p:spPr>
         <p:txBody>
-          <a:bodyPr/>
+          <a:bodyPr>
+            <a:normAutofit fontScale="90000"/>
+          </a:bodyPr>
           <a:lstStyle/>
           <a:p>
             <a:r>
               <a:rPr lang="fr-BE" dirty="0"/>
-              <a:t>Unit </a:t>
-            </a:r>
-            <a:r>
-              <a:rPr lang="fr-BE" dirty="0" err="1"/>
-              <a:t>Testing</a:t>
+              <a:t>JASMINE</a:t>
             </a:r>
             <a:endParaRPr lang="en-BE" dirty="0"/>
           </a:p>
@@ -6883,10 +6885,10 @@
       </p:sp>
       <p:sp>
         <p:nvSpPr>
-          <p:cNvPr id="8" name="TextBox 7">
+          <p:cNvPr id="3" name="TextBox 2">
             <a:extLst>
               <a:ext uri="{FF2B5EF4-FFF2-40B4-BE49-F238E27FC236}">
-                <a16:creationId xmlns:a16="http://schemas.microsoft.com/office/drawing/2014/main" id="{E945BC42-63B2-9B21-BC68-C4B2B0C08A19}"/>
+                <a16:creationId xmlns:a16="http://schemas.microsoft.com/office/drawing/2014/main" id="{B6393BC3-6929-DB91-09D9-2404E346BB04}"/>
               </a:ext>
             </a:extLst>
           </p:cNvPr>
@@ -6895,33 +6897,984 @@
         </p:nvSpPr>
         <p:spPr>
           <a:xfrm>
-            <a:off x="311809" y="1474545"/>
-            <a:ext cx="11664273" cy="584775"/>
+            <a:off x="3356120" y="0"/>
+            <a:ext cx="8835880" cy="7848302"/>
           </a:xfrm>
           <a:prstGeom prst="rect">
             <a:avLst/>
           </a:prstGeom>
-          <a:noFill/>
+          <a:solidFill>
+            <a:schemeClr val="bg1"/>
+          </a:solidFill>
         </p:spPr>
         <p:txBody>
-          <a:bodyPr wrap="square" rtlCol="0">
+          <a:bodyPr wrap="square">
             <a:spAutoFit/>
           </a:bodyPr>
           <a:lstStyle/>
           <a:p>
-            <a:pPr marL="457200" indent="-457200">
-              <a:buFont typeface="Arial" panose="020B0604020202020204" pitchFamily="34" charset="0"/>
-              <a:buChar char="•"/>
-            </a:pPr>
-            <a:r>
-              <a:rPr lang="en-US" sz="3200" dirty="0"/>
-              <a:t>Interesting </a:t>
-            </a:r>
-            <a:r>
-              <a:rPr lang="en-US" sz="3200"/>
-              <a:t>stuff here…</a:t>
-            </a:r>
-            <a:endParaRPr lang="en-BE" sz="3200" dirty="0"/>
+            <a:r>
+              <a:rPr lang="en-US" sz="2400" b="0" dirty="0">
+                <a:solidFill>
+                  <a:srgbClr val="D4D4D4"/>
+                </a:solidFill>
+                <a:effectLst/>
+                <a:latin typeface="Fira Code" panose="020B0809050000020004" pitchFamily="49" charset="0"/>
+              </a:rPr>
+              <a:t>describe(</a:t>
+            </a:r>
+            <a:r>
+              <a:rPr lang="en-US" sz="2400" b="0" dirty="0">
+                <a:solidFill>
+                  <a:srgbClr val="CE9178"/>
+                </a:solidFill>
+                <a:effectLst/>
+                <a:latin typeface="Fira Code" panose="020B0809050000020004" pitchFamily="49" charset="0"/>
+              </a:rPr>
+              <a:t>'basic example'</a:t>
+            </a:r>
+            <a:r>
+              <a:rPr lang="en-US" sz="2400" b="0" dirty="0">
+                <a:solidFill>
+                  <a:srgbClr val="D4D4D4"/>
+                </a:solidFill>
+                <a:effectLst/>
+                <a:latin typeface="Fira Code" panose="020B0809050000020004" pitchFamily="49" charset="0"/>
+              </a:rPr>
+              <a:t>, () </a:t>
+            </a:r>
+            <a:r>
+              <a:rPr lang="en-US" sz="2400" b="0" dirty="0">
+                <a:solidFill>
+                  <a:srgbClr val="569CD6"/>
+                </a:solidFill>
+                <a:effectLst/>
+                <a:latin typeface="Fira Code" panose="020B0809050000020004" pitchFamily="49" charset="0"/>
+              </a:rPr>
+              <a:t>=&gt;</a:t>
+            </a:r>
+            <a:r>
+              <a:rPr lang="en-US" sz="2400" b="0" dirty="0">
+                <a:solidFill>
+                  <a:srgbClr val="D4D4D4"/>
+                </a:solidFill>
+                <a:effectLst/>
+                <a:latin typeface="Fira Code" panose="020B0809050000020004" pitchFamily="49" charset="0"/>
+              </a:rPr>
+              <a:t> {</a:t>
+            </a:r>
+          </a:p>
+          <a:p>
+            <a:r>
+              <a:rPr lang="en-US" sz="2400" b="0" dirty="0">
+                <a:solidFill>
+                  <a:srgbClr val="D4D4D4"/>
+                </a:solidFill>
+                <a:effectLst/>
+                <a:latin typeface="Fira Code" panose="020B0809050000020004" pitchFamily="49" charset="0"/>
+              </a:rPr>
+              <a:t>  </a:t>
+            </a:r>
+            <a:r>
+              <a:rPr lang="en-US" sz="2400" b="0" dirty="0" err="1">
+                <a:solidFill>
+                  <a:srgbClr val="D4D4D4"/>
+                </a:solidFill>
+                <a:effectLst/>
+                <a:latin typeface="Fira Code" panose="020B0809050000020004" pitchFamily="49" charset="0"/>
+              </a:rPr>
+              <a:t>beforeEach</a:t>
+            </a:r>
+            <a:r>
+              <a:rPr lang="en-US" sz="2400" b="0" dirty="0">
+                <a:solidFill>
+                  <a:srgbClr val="D4D4D4"/>
+                </a:solidFill>
+                <a:effectLst/>
+                <a:latin typeface="Fira Code" panose="020B0809050000020004" pitchFamily="49" charset="0"/>
+              </a:rPr>
+              <a:t>(() </a:t>
+            </a:r>
+            <a:r>
+              <a:rPr lang="en-US" sz="2400" b="0" dirty="0">
+                <a:solidFill>
+                  <a:srgbClr val="569CD6"/>
+                </a:solidFill>
+                <a:effectLst/>
+                <a:latin typeface="Fira Code" panose="020B0809050000020004" pitchFamily="49" charset="0"/>
+              </a:rPr>
+              <a:t>=&gt;</a:t>
+            </a:r>
+            <a:r>
+              <a:rPr lang="en-US" sz="2400" b="0" dirty="0">
+                <a:solidFill>
+                  <a:srgbClr val="D4D4D4"/>
+                </a:solidFill>
+                <a:effectLst/>
+                <a:latin typeface="Fira Code" panose="020B0809050000020004" pitchFamily="49" charset="0"/>
+              </a:rPr>
+              <a:t> { </a:t>
+            </a:r>
+            <a:r>
+              <a:rPr lang="en-US" sz="2400" b="0" dirty="0" err="1">
+                <a:solidFill>
+                  <a:srgbClr val="569CD6"/>
+                </a:solidFill>
+                <a:effectLst/>
+                <a:latin typeface="Fira Code" panose="020B0809050000020004" pitchFamily="49" charset="0"/>
+              </a:rPr>
+              <a:t>this</a:t>
+            </a:r>
+            <a:r>
+              <a:rPr lang="en-US" sz="2400" b="0" dirty="0" err="1">
+                <a:solidFill>
+                  <a:srgbClr val="D4D4D4"/>
+                </a:solidFill>
+                <a:effectLst/>
+                <a:latin typeface="Fira Code" panose="020B0809050000020004" pitchFamily="49" charset="0"/>
+              </a:rPr>
+              <a:t>.result</a:t>
+            </a:r>
+            <a:r>
+              <a:rPr lang="en-US" sz="2400" b="0" dirty="0">
+                <a:solidFill>
+                  <a:srgbClr val="D4D4D4"/>
+                </a:solidFill>
+                <a:effectLst/>
+                <a:latin typeface="Fira Code" panose="020B0809050000020004" pitchFamily="49" charset="0"/>
+              </a:rPr>
+              <a:t> = </a:t>
+            </a:r>
+            <a:r>
+              <a:rPr lang="en-US" sz="2400" b="0" dirty="0">
+                <a:solidFill>
+                  <a:srgbClr val="B5CEA8"/>
+                </a:solidFill>
+                <a:effectLst/>
+                <a:latin typeface="Fira Code" panose="020B0809050000020004" pitchFamily="49" charset="0"/>
+              </a:rPr>
+              <a:t>1</a:t>
+            </a:r>
+            <a:r>
+              <a:rPr lang="en-US" sz="2400" b="0" dirty="0">
+                <a:solidFill>
+                  <a:srgbClr val="D4D4D4"/>
+                </a:solidFill>
+                <a:effectLst/>
+                <a:latin typeface="Fira Code" panose="020B0809050000020004" pitchFamily="49" charset="0"/>
+              </a:rPr>
+              <a:t>; });</a:t>
+            </a:r>
+          </a:p>
+          <a:p>
+            <a:br>
+              <a:rPr lang="en-US" sz="2400" b="0" dirty="0">
+                <a:solidFill>
+                  <a:srgbClr val="D4D4D4"/>
+                </a:solidFill>
+                <a:effectLst/>
+                <a:latin typeface="Fira Code" panose="020B0809050000020004" pitchFamily="49" charset="0"/>
+              </a:rPr>
+            </a:br>
+            <a:r>
+              <a:rPr lang="en-US" sz="2400" b="0" dirty="0">
+                <a:solidFill>
+                  <a:srgbClr val="D4D4D4"/>
+                </a:solidFill>
+                <a:effectLst/>
+                <a:latin typeface="Fira Code" panose="020B0809050000020004" pitchFamily="49" charset="0"/>
+              </a:rPr>
+              <a:t>  it(</a:t>
+            </a:r>
+            <a:r>
+              <a:rPr lang="en-US" sz="2400" b="0" dirty="0">
+                <a:solidFill>
+                  <a:srgbClr val="CE9178"/>
+                </a:solidFill>
+                <a:effectLst/>
+                <a:latin typeface="Fira Code" panose="020B0809050000020004" pitchFamily="49" charset="0"/>
+              </a:rPr>
+              <a:t>'can hardly fail'</a:t>
+            </a:r>
+            <a:r>
+              <a:rPr lang="en-US" sz="2400" b="0" dirty="0">
+                <a:solidFill>
+                  <a:srgbClr val="D4D4D4"/>
+                </a:solidFill>
+                <a:effectLst/>
+                <a:latin typeface="Fira Code" panose="020B0809050000020004" pitchFamily="49" charset="0"/>
+              </a:rPr>
+              <a:t>, () </a:t>
+            </a:r>
+            <a:r>
+              <a:rPr lang="en-US" sz="2400" b="0" dirty="0">
+                <a:solidFill>
+                  <a:srgbClr val="569CD6"/>
+                </a:solidFill>
+                <a:effectLst/>
+                <a:latin typeface="Fira Code" panose="020B0809050000020004" pitchFamily="49" charset="0"/>
+              </a:rPr>
+              <a:t>=&gt;</a:t>
+            </a:r>
+            <a:r>
+              <a:rPr lang="en-US" sz="2400" b="0" dirty="0">
+                <a:solidFill>
+                  <a:srgbClr val="D4D4D4"/>
+                </a:solidFill>
+                <a:effectLst/>
+                <a:latin typeface="Fira Code" panose="020B0809050000020004" pitchFamily="49" charset="0"/>
+              </a:rPr>
+              <a:t> {</a:t>
+            </a:r>
+          </a:p>
+          <a:p>
+            <a:r>
+              <a:rPr lang="en-US" sz="2400" b="0" dirty="0">
+                <a:solidFill>
+                  <a:srgbClr val="D4D4D4"/>
+                </a:solidFill>
+                <a:effectLst/>
+                <a:latin typeface="Fira Code" panose="020B0809050000020004" pitchFamily="49" charset="0"/>
+              </a:rPr>
+              <a:t>    </a:t>
+            </a:r>
+            <a:r>
+              <a:rPr lang="en-US" sz="2400" b="0" dirty="0">
+                <a:solidFill>
+                  <a:srgbClr val="6A9955"/>
+                </a:solidFill>
+                <a:effectLst/>
+                <a:latin typeface="Fira Code" panose="020B0809050000020004" pitchFamily="49" charset="0"/>
+              </a:rPr>
+              <a:t>// </a:t>
+            </a:r>
+            <a:r>
+              <a:rPr lang="en-US" sz="2400" b="0" dirty="0" err="1">
+                <a:solidFill>
+                  <a:srgbClr val="6A9955"/>
+                </a:solidFill>
+                <a:effectLst/>
+                <a:latin typeface="Fira Code" panose="020B0809050000020004" pitchFamily="49" charset="0"/>
+              </a:rPr>
+              <a:t>toBe</a:t>
+            </a:r>
+            <a:r>
+              <a:rPr lang="en-US" sz="2400" b="0" dirty="0">
+                <a:solidFill>
+                  <a:srgbClr val="6A9955"/>
+                </a:solidFill>
+                <a:effectLst/>
+                <a:latin typeface="Fira Code" panose="020B0809050000020004" pitchFamily="49" charset="0"/>
+              </a:rPr>
+              <a:t>() uses ===</a:t>
+            </a:r>
+            <a:endParaRPr lang="en-US" sz="2400" b="0" dirty="0">
+              <a:solidFill>
+                <a:srgbClr val="D4D4D4"/>
+              </a:solidFill>
+              <a:effectLst/>
+              <a:latin typeface="Fira Code" panose="020B0809050000020004" pitchFamily="49" charset="0"/>
+            </a:endParaRPr>
+          </a:p>
+          <a:p>
+            <a:r>
+              <a:rPr lang="en-US" sz="2400" b="0" dirty="0">
+                <a:solidFill>
+                  <a:srgbClr val="D4D4D4"/>
+                </a:solidFill>
+                <a:effectLst/>
+                <a:latin typeface="Fira Code" panose="020B0809050000020004" pitchFamily="49" charset="0"/>
+              </a:rPr>
+              <a:t>    expect(</a:t>
+            </a:r>
+            <a:r>
+              <a:rPr lang="en-US" sz="2400" b="0" dirty="0" err="1">
+                <a:solidFill>
+                  <a:srgbClr val="569CD6"/>
+                </a:solidFill>
+                <a:effectLst/>
+                <a:latin typeface="Fira Code" panose="020B0809050000020004" pitchFamily="49" charset="0"/>
+              </a:rPr>
+              <a:t>this</a:t>
+            </a:r>
+            <a:r>
+              <a:rPr lang="en-US" sz="2400" b="0" dirty="0" err="1">
+                <a:solidFill>
+                  <a:srgbClr val="D4D4D4"/>
+                </a:solidFill>
+                <a:effectLst/>
+                <a:latin typeface="Fira Code" panose="020B0809050000020004" pitchFamily="49" charset="0"/>
+              </a:rPr>
+              <a:t>.result</a:t>
+            </a:r>
+            <a:r>
+              <a:rPr lang="en-US" sz="2400" b="0" dirty="0">
+                <a:solidFill>
+                  <a:srgbClr val="D4D4D4"/>
+                </a:solidFill>
+                <a:effectLst/>
+                <a:latin typeface="Fira Code" panose="020B0809050000020004" pitchFamily="49" charset="0"/>
+              </a:rPr>
+              <a:t>).</a:t>
+            </a:r>
+            <a:r>
+              <a:rPr lang="en-US" sz="2400" b="0" dirty="0" err="1">
+                <a:solidFill>
+                  <a:srgbClr val="D4D4D4"/>
+                </a:solidFill>
+                <a:effectLst/>
+                <a:latin typeface="Fira Code" panose="020B0809050000020004" pitchFamily="49" charset="0"/>
+              </a:rPr>
+              <a:t>toBe</a:t>
+            </a:r>
+            <a:r>
+              <a:rPr lang="en-US" sz="2400" b="0" dirty="0">
+                <a:solidFill>
+                  <a:srgbClr val="D4D4D4"/>
+                </a:solidFill>
+                <a:effectLst/>
+                <a:latin typeface="Fira Code" panose="020B0809050000020004" pitchFamily="49" charset="0"/>
+              </a:rPr>
+              <a:t>(</a:t>
+            </a:r>
+            <a:r>
+              <a:rPr lang="en-US" sz="2400" b="0" dirty="0">
+                <a:solidFill>
+                  <a:srgbClr val="B5CEA8"/>
+                </a:solidFill>
+                <a:effectLst/>
+                <a:latin typeface="Fira Code" panose="020B0809050000020004" pitchFamily="49" charset="0"/>
+              </a:rPr>
+              <a:t>1</a:t>
+            </a:r>
+            <a:r>
+              <a:rPr lang="en-US" sz="2400" b="0" dirty="0">
+                <a:solidFill>
+                  <a:srgbClr val="D4D4D4"/>
+                </a:solidFill>
+                <a:effectLst/>
+                <a:latin typeface="Fira Code" panose="020B0809050000020004" pitchFamily="49" charset="0"/>
+              </a:rPr>
+              <a:t>);</a:t>
+            </a:r>
+          </a:p>
+          <a:p>
+            <a:br>
+              <a:rPr lang="en-US" sz="2400" b="0" dirty="0">
+                <a:solidFill>
+                  <a:srgbClr val="D4D4D4"/>
+                </a:solidFill>
+                <a:effectLst/>
+                <a:latin typeface="Fira Code" panose="020B0809050000020004" pitchFamily="49" charset="0"/>
+              </a:rPr>
+            </a:br>
+            <a:r>
+              <a:rPr lang="en-US" sz="2400" b="0" dirty="0">
+                <a:solidFill>
+                  <a:srgbClr val="D4D4D4"/>
+                </a:solidFill>
+                <a:effectLst/>
+                <a:latin typeface="Fira Code" panose="020B0809050000020004" pitchFamily="49" charset="0"/>
+              </a:rPr>
+              <a:t>    </a:t>
+            </a:r>
+            <a:r>
+              <a:rPr lang="en-US" sz="2400" b="0" dirty="0">
+                <a:solidFill>
+                  <a:srgbClr val="6A9955"/>
+                </a:solidFill>
+                <a:effectLst/>
+                <a:latin typeface="Fira Code" panose="020B0809050000020004" pitchFamily="49" charset="0"/>
+              </a:rPr>
+              <a:t>// For primitive types, </a:t>
+            </a:r>
+            <a:r>
+              <a:rPr lang="en-US" sz="2400" b="0" dirty="0" err="1">
+                <a:solidFill>
+                  <a:srgbClr val="6A9955"/>
+                </a:solidFill>
+                <a:effectLst/>
+                <a:latin typeface="Fira Code" panose="020B0809050000020004" pitchFamily="49" charset="0"/>
+              </a:rPr>
+              <a:t>toEqual</a:t>
+            </a:r>
+            <a:endParaRPr lang="en-US" sz="2400" b="0" dirty="0">
+              <a:solidFill>
+                <a:srgbClr val="D4D4D4"/>
+              </a:solidFill>
+              <a:effectLst/>
+              <a:latin typeface="Fira Code" panose="020B0809050000020004" pitchFamily="49" charset="0"/>
+            </a:endParaRPr>
+          </a:p>
+          <a:p>
+            <a:r>
+              <a:rPr lang="en-US" sz="2400" b="0" dirty="0">
+                <a:solidFill>
+                  <a:srgbClr val="D4D4D4"/>
+                </a:solidFill>
+                <a:effectLst/>
+                <a:latin typeface="Fira Code" panose="020B0809050000020004" pitchFamily="49" charset="0"/>
+              </a:rPr>
+              <a:t>    </a:t>
+            </a:r>
+            <a:r>
+              <a:rPr lang="en-US" sz="2400" b="0" dirty="0">
+                <a:solidFill>
+                  <a:srgbClr val="6A9955"/>
+                </a:solidFill>
+                <a:effectLst/>
+                <a:latin typeface="Fira Code" panose="020B0809050000020004" pitchFamily="49" charset="0"/>
+              </a:rPr>
+              <a:t>// behaves the same way as </a:t>
+            </a:r>
+            <a:r>
+              <a:rPr lang="en-US" sz="2400" b="0" dirty="0" err="1">
+                <a:solidFill>
+                  <a:srgbClr val="6A9955"/>
+                </a:solidFill>
+                <a:effectLst/>
+                <a:latin typeface="Fira Code" panose="020B0809050000020004" pitchFamily="49" charset="0"/>
+              </a:rPr>
+              <a:t>toBe</a:t>
+            </a:r>
+            <a:endParaRPr lang="en-US" sz="2400" b="0" dirty="0">
+              <a:solidFill>
+                <a:srgbClr val="D4D4D4"/>
+              </a:solidFill>
+              <a:effectLst/>
+              <a:latin typeface="Fira Code" panose="020B0809050000020004" pitchFamily="49" charset="0"/>
+            </a:endParaRPr>
+          </a:p>
+          <a:p>
+            <a:r>
+              <a:rPr lang="en-US" sz="2400" b="0" dirty="0">
+                <a:solidFill>
+                  <a:srgbClr val="D4D4D4"/>
+                </a:solidFill>
+                <a:effectLst/>
+                <a:latin typeface="Fira Code" panose="020B0809050000020004" pitchFamily="49" charset="0"/>
+              </a:rPr>
+              <a:t>    </a:t>
+            </a:r>
+            <a:r>
+              <a:rPr lang="en-US" sz="2400" b="0" dirty="0">
+                <a:solidFill>
+                  <a:srgbClr val="6A9955"/>
+                </a:solidFill>
+                <a:effectLst/>
+                <a:latin typeface="Fira Code" panose="020B0809050000020004" pitchFamily="49" charset="0"/>
+              </a:rPr>
+              <a:t>// </a:t>
+            </a:r>
+            <a:r>
+              <a:rPr lang="en-US" sz="2400" b="0" dirty="0" err="1">
+                <a:solidFill>
+                  <a:srgbClr val="6A9955"/>
+                </a:solidFill>
+                <a:effectLst/>
+                <a:latin typeface="Fira Code" panose="020B0809050000020004" pitchFamily="49" charset="0"/>
+              </a:rPr>
+              <a:t>toEqual</a:t>
+            </a:r>
+            <a:r>
+              <a:rPr lang="en-US" sz="2400" b="0" dirty="0">
+                <a:solidFill>
+                  <a:srgbClr val="6A9955"/>
+                </a:solidFill>
+                <a:effectLst/>
+                <a:latin typeface="Fira Code" panose="020B0809050000020004" pitchFamily="49" charset="0"/>
+              </a:rPr>
+              <a:t> goes further however</a:t>
+            </a:r>
+            <a:endParaRPr lang="en-US" sz="2400" b="0" dirty="0">
+              <a:solidFill>
+                <a:srgbClr val="D4D4D4"/>
+              </a:solidFill>
+              <a:effectLst/>
+              <a:latin typeface="Fira Code" panose="020B0809050000020004" pitchFamily="49" charset="0"/>
+            </a:endParaRPr>
+          </a:p>
+          <a:p>
+            <a:r>
+              <a:rPr lang="en-US" sz="2400" b="0" dirty="0">
+                <a:solidFill>
+                  <a:srgbClr val="D4D4D4"/>
+                </a:solidFill>
+                <a:effectLst/>
+                <a:latin typeface="Fira Code" panose="020B0809050000020004" pitchFamily="49" charset="0"/>
+              </a:rPr>
+              <a:t>    </a:t>
+            </a:r>
+            <a:r>
+              <a:rPr lang="en-US" sz="2400" b="0" dirty="0">
+                <a:solidFill>
+                  <a:srgbClr val="6A9955"/>
+                </a:solidFill>
+                <a:effectLst/>
+                <a:latin typeface="Fira Code" panose="020B0809050000020004" pitchFamily="49" charset="0"/>
+              </a:rPr>
+              <a:t>// by deeply comparing objects.</a:t>
+            </a:r>
+            <a:endParaRPr lang="en-US" sz="2400" b="0" dirty="0">
+              <a:solidFill>
+                <a:srgbClr val="D4D4D4"/>
+              </a:solidFill>
+              <a:effectLst/>
+              <a:latin typeface="Fira Code" panose="020B0809050000020004" pitchFamily="49" charset="0"/>
+            </a:endParaRPr>
+          </a:p>
+          <a:p>
+            <a:r>
+              <a:rPr lang="en-US" sz="2400" b="0" dirty="0">
+                <a:solidFill>
+                  <a:srgbClr val="D4D4D4"/>
+                </a:solidFill>
+                <a:effectLst/>
+                <a:latin typeface="Fira Code" panose="020B0809050000020004" pitchFamily="49" charset="0"/>
+              </a:rPr>
+              <a:t>    expect({a: {}}).</a:t>
+            </a:r>
+            <a:r>
+              <a:rPr lang="en-US" sz="2400" b="0" dirty="0" err="1">
+                <a:solidFill>
+                  <a:srgbClr val="D4D4D4"/>
+                </a:solidFill>
+                <a:effectLst/>
+                <a:latin typeface="Fira Code" panose="020B0809050000020004" pitchFamily="49" charset="0"/>
+              </a:rPr>
+              <a:t>toEqual</a:t>
+            </a:r>
+            <a:r>
+              <a:rPr lang="en-US" sz="2400" b="0" dirty="0">
+                <a:solidFill>
+                  <a:srgbClr val="D4D4D4"/>
+                </a:solidFill>
+                <a:effectLst/>
+                <a:latin typeface="Fira Code" panose="020B0809050000020004" pitchFamily="49" charset="0"/>
+              </a:rPr>
+              <a:t>({a: {}});</a:t>
+            </a:r>
+          </a:p>
+          <a:p>
+            <a:r>
+              <a:rPr lang="en-US" sz="2400" b="0" dirty="0">
+                <a:solidFill>
+                  <a:srgbClr val="D4D4D4"/>
+                </a:solidFill>
+                <a:effectLst/>
+                <a:latin typeface="Fira Code" panose="020B0809050000020004" pitchFamily="49" charset="0"/>
+              </a:rPr>
+              <a:t>    expect([</a:t>
+            </a:r>
+            <a:r>
+              <a:rPr lang="en-US" sz="2400" b="0" dirty="0">
+                <a:solidFill>
+                  <a:srgbClr val="B5CEA8"/>
+                </a:solidFill>
+                <a:effectLst/>
+                <a:latin typeface="Fira Code" panose="020B0809050000020004" pitchFamily="49" charset="0"/>
+              </a:rPr>
+              <a:t>0</a:t>
+            </a:r>
+            <a:r>
+              <a:rPr lang="en-US" sz="2400" b="0" dirty="0">
+                <a:solidFill>
+                  <a:srgbClr val="D4D4D4"/>
+                </a:solidFill>
+                <a:effectLst/>
+                <a:latin typeface="Fira Code" panose="020B0809050000020004" pitchFamily="49" charset="0"/>
+              </a:rPr>
+              <a:t>, {a: </a:t>
+            </a:r>
+            <a:r>
+              <a:rPr lang="en-US" sz="2400" b="0" dirty="0">
+                <a:solidFill>
+                  <a:srgbClr val="B5CEA8"/>
+                </a:solidFill>
+                <a:effectLst/>
+                <a:latin typeface="Fira Code" panose="020B0809050000020004" pitchFamily="49" charset="0"/>
+              </a:rPr>
+              <a:t>1</a:t>
+            </a:r>
+            <a:r>
+              <a:rPr lang="en-US" sz="2400" b="0" dirty="0">
+                <a:solidFill>
+                  <a:srgbClr val="D4D4D4"/>
+                </a:solidFill>
+                <a:effectLst/>
+                <a:latin typeface="Fira Code" panose="020B0809050000020004" pitchFamily="49" charset="0"/>
+              </a:rPr>
+              <a:t>}]).</a:t>
+            </a:r>
+            <a:r>
+              <a:rPr lang="en-US" sz="2400" b="0" dirty="0" err="1">
+                <a:solidFill>
+                  <a:srgbClr val="D4D4D4"/>
+                </a:solidFill>
+                <a:effectLst/>
+                <a:latin typeface="Fira Code" panose="020B0809050000020004" pitchFamily="49" charset="0"/>
+              </a:rPr>
+              <a:t>toEqual</a:t>
+            </a:r>
+            <a:r>
+              <a:rPr lang="en-US" sz="2400" b="0" dirty="0">
+                <a:solidFill>
+                  <a:srgbClr val="D4D4D4"/>
+                </a:solidFill>
+                <a:effectLst/>
+                <a:latin typeface="Fira Code" panose="020B0809050000020004" pitchFamily="49" charset="0"/>
+              </a:rPr>
+              <a:t>([</a:t>
+            </a:r>
+            <a:r>
+              <a:rPr lang="en-US" sz="2400" b="0" dirty="0">
+                <a:solidFill>
+                  <a:srgbClr val="B5CEA8"/>
+                </a:solidFill>
+                <a:effectLst/>
+                <a:latin typeface="Fira Code" panose="020B0809050000020004" pitchFamily="49" charset="0"/>
+              </a:rPr>
+              <a:t>0</a:t>
+            </a:r>
+            <a:r>
+              <a:rPr lang="en-US" sz="2400" b="0" dirty="0">
+                <a:solidFill>
+                  <a:srgbClr val="D4D4D4"/>
+                </a:solidFill>
+                <a:effectLst/>
+                <a:latin typeface="Fira Code" panose="020B0809050000020004" pitchFamily="49" charset="0"/>
+              </a:rPr>
+              <a:t>, {a: </a:t>
+            </a:r>
+            <a:r>
+              <a:rPr lang="en-US" sz="2400" b="0" dirty="0">
+                <a:solidFill>
+                  <a:srgbClr val="B5CEA8"/>
+                </a:solidFill>
+                <a:effectLst/>
+                <a:latin typeface="Fira Code" panose="020B0809050000020004" pitchFamily="49" charset="0"/>
+              </a:rPr>
+              <a:t>1</a:t>
+            </a:r>
+            <a:r>
+              <a:rPr lang="en-US" sz="2400" b="0" dirty="0">
+                <a:solidFill>
+                  <a:srgbClr val="D4D4D4"/>
+                </a:solidFill>
+                <a:effectLst/>
+                <a:latin typeface="Fira Code" panose="020B0809050000020004" pitchFamily="49" charset="0"/>
+              </a:rPr>
+              <a:t>}]);</a:t>
+            </a:r>
+          </a:p>
+          <a:p>
+            <a:r>
+              <a:rPr lang="en-US" sz="2400" b="0" dirty="0">
+                <a:solidFill>
+                  <a:srgbClr val="D4D4D4"/>
+                </a:solidFill>
+                <a:effectLst/>
+                <a:latin typeface="Fira Code" panose="020B0809050000020004" pitchFamily="49" charset="0"/>
+              </a:rPr>
+              <a:t>  });</a:t>
+            </a:r>
+          </a:p>
+          <a:p>
+            <a:endParaRPr lang="en-US" sz="2400" dirty="0">
+              <a:solidFill>
+                <a:srgbClr val="D4D4D4"/>
+              </a:solidFill>
+              <a:latin typeface="Fira Code" panose="020B0809050000020004" pitchFamily="49" charset="0"/>
+            </a:endParaRPr>
+          </a:p>
+          <a:p>
+            <a:r>
+              <a:rPr lang="en-US" sz="2400" b="0" dirty="0">
+                <a:solidFill>
+                  <a:srgbClr val="D4D4D4"/>
+                </a:solidFill>
+                <a:effectLst/>
+                <a:latin typeface="Fira Code" panose="020B0809050000020004" pitchFamily="49" charset="0"/>
+              </a:rPr>
+              <a:t>  </a:t>
+            </a:r>
+            <a:r>
+              <a:rPr lang="en-US" sz="2400" dirty="0">
+                <a:solidFill>
+                  <a:srgbClr val="6A9955"/>
+                </a:solidFill>
+                <a:latin typeface="Fira Code" panose="020B0809050000020004" pitchFamily="49" charset="0"/>
+              </a:rPr>
+              <a:t>// fit / </a:t>
+            </a:r>
+            <a:r>
+              <a:rPr lang="en-US" sz="2400" dirty="0" err="1">
+                <a:solidFill>
+                  <a:srgbClr val="6A9955"/>
+                </a:solidFill>
+                <a:latin typeface="Fira Code" panose="020B0809050000020004" pitchFamily="49" charset="0"/>
+              </a:rPr>
+              <a:t>fdescribe</a:t>
+            </a:r>
+            <a:r>
+              <a:rPr lang="en-US" sz="2400" dirty="0">
+                <a:solidFill>
+                  <a:srgbClr val="6A9955"/>
+                </a:solidFill>
+                <a:latin typeface="Fira Code" panose="020B0809050000020004" pitchFamily="49" charset="0"/>
+              </a:rPr>
+              <a:t> &amp;&amp; </a:t>
+            </a:r>
+            <a:r>
+              <a:rPr lang="en-US" sz="2400" dirty="0" err="1">
+                <a:solidFill>
+                  <a:srgbClr val="6A9955"/>
+                </a:solidFill>
+                <a:latin typeface="Fira Code" panose="020B0809050000020004" pitchFamily="49" charset="0"/>
+              </a:rPr>
+              <a:t>xit</a:t>
+            </a:r>
+            <a:r>
+              <a:rPr lang="en-US" sz="2400" dirty="0">
+                <a:solidFill>
+                  <a:srgbClr val="6A9955"/>
+                </a:solidFill>
+                <a:latin typeface="Fira Code" panose="020B0809050000020004" pitchFamily="49" charset="0"/>
+              </a:rPr>
+              <a:t> / </a:t>
+            </a:r>
+            <a:r>
+              <a:rPr lang="en-US" sz="2400" dirty="0" err="1">
+                <a:solidFill>
+                  <a:srgbClr val="6A9955"/>
+                </a:solidFill>
+                <a:latin typeface="Fira Code" panose="020B0809050000020004" pitchFamily="49" charset="0"/>
+              </a:rPr>
+              <a:t>xdescribe</a:t>
+            </a:r>
+            <a:endParaRPr lang="en-US" sz="2400" b="0" dirty="0">
+              <a:solidFill>
+                <a:srgbClr val="D4D4D4"/>
+              </a:solidFill>
+              <a:effectLst/>
+              <a:latin typeface="Fira Code" panose="020B0809050000020004" pitchFamily="49" charset="0"/>
+            </a:endParaRPr>
+          </a:p>
+          <a:p>
+            <a:br>
+              <a:rPr lang="en-US" sz="2400" b="0" dirty="0">
+                <a:solidFill>
+                  <a:srgbClr val="D4D4D4"/>
+                </a:solidFill>
+                <a:effectLst/>
+                <a:latin typeface="Fira Code" panose="020B0809050000020004" pitchFamily="49" charset="0"/>
+              </a:rPr>
+            </a:br>
+            <a:r>
+              <a:rPr lang="en-US" sz="2400" b="0" dirty="0">
+                <a:solidFill>
+                  <a:srgbClr val="D4D4D4"/>
+                </a:solidFill>
+                <a:effectLst/>
+                <a:latin typeface="Fira Code" panose="020B0809050000020004" pitchFamily="49" charset="0"/>
+              </a:rPr>
+              <a:t>  </a:t>
+            </a:r>
+            <a:r>
+              <a:rPr lang="en-US" sz="2400" b="0" dirty="0" err="1">
+                <a:solidFill>
+                  <a:srgbClr val="D4D4D4"/>
+                </a:solidFill>
+                <a:effectLst/>
+                <a:latin typeface="Fira Code" panose="020B0809050000020004" pitchFamily="49" charset="0"/>
+              </a:rPr>
+              <a:t>afterAll</a:t>
+            </a:r>
+            <a:r>
+              <a:rPr lang="en-US" sz="2400" b="0" dirty="0">
+                <a:solidFill>
+                  <a:srgbClr val="D4D4D4"/>
+                </a:solidFill>
+                <a:effectLst/>
+                <a:latin typeface="Fira Code" panose="020B0809050000020004" pitchFamily="49" charset="0"/>
+              </a:rPr>
+              <a:t>(() </a:t>
+            </a:r>
+            <a:r>
+              <a:rPr lang="en-US" sz="2400" b="0" dirty="0">
+                <a:solidFill>
+                  <a:srgbClr val="569CD6"/>
+                </a:solidFill>
+                <a:effectLst/>
+                <a:latin typeface="Fira Code" panose="020B0809050000020004" pitchFamily="49" charset="0"/>
+              </a:rPr>
+              <a:t>=&gt;</a:t>
+            </a:r>
+            <a:r>
+              <a:rPr lang="en-US" sz="2400" b="0" dirty="0">
+                <a:solidFill>
+                  <a:srgbClr val="D4D4D4"/>
+                </a:solidFill>
+                <a:effectLst/>
+                <a:latin typeface="Fira Code" panose="020B0809050000020004" pitchFamily="49" charset="0"/>
+              </a:rPr>
+              <a:t> {});</a:t>
+            </a:r>
+          </a:p>
+          <a:p>
+            <a:r>
+              <a:rPr lang="en-US" sz="2400" b="0" dirty="0">
+                <a:solidFill>
+                  <a:srgbClr val="D4D4D4"/>
+                </a:solidFill>
+                <a:effectLst/>
+                <a:latin typeface="Fira Code" panose="020B0809050000020004" pitchFamily="49" charset="0"/>
+              </a:rPr>
+              <a:t>});</a:t>
+            </a:r>
+          </a:p>
+          <a:p>
+            <a:br>
+              <a:rPr lang="en-US" sz="2400" b="0" dirty="0">
+                <a:solidFill>
+                  <a:srgbClr val="D4D4D4"/>
+                </a:solidFill>
+                <a:effectLst/>
+                <a:latin typeface="Fira Code" panose="020B0809050000020004" pitchFamily="49" charset="0"/>
+              </a:rPr>
+            </a:br>
+            <a:endParaRPr lang="en-US" sz="2400" b="0" dirty="0">
+              <a:solidFill>
+                <a:srgbClr val="D4D4D4"/>
+              </a:solidFill>
+              <a:effectLst/>
+              <a:latin typeface="Fira Code" panose="020B0809050000020004" pitchFamily="49" charset="0"/>
+            </a:endParaRPr>
+          </a:p>
+        </p:txBody>
+      </p:sp>
+      <p:sp>
+        <p:nvSpPr>
+          <p:cNvPr id="2" name="Title 3">
+            <a:extLst>
+              <a:ext uri="{FF2B5EF4-FFF2-40B4-BE49-F238E27FC236}">
+                <a16:creationId xmlns:a16="http://schemas.microsoft.com/office/drawing/2014/main" id="{4BBECA68-5D17-6D90-5A21-EA0129608439}"/>
+              </a:ext>
+            </a:extLst>
+          </p:cNvPr>
+          <p:cNvSpPr txBox="1">
+            <a:spLocks/>
+          </p:cNvSpPr>
+          <p:nvPr/>
+        </p:nvSpPr>
+        <p:spPr>
+          <a:xfrm>
+            <a:off x="401206" y="2232128"/>
+            <a:ext cx="2693686" cy="860893"/>
+          </a:xfrm>
+          <a:prstGeom prst="rect">
+            <a:avLst/>
+          </a:prstGeom>
+        </p:spPr>
+        <p:txBody>
+          <a:bodyPr vert="horz" lIns="91440" tIns="45720" rIns="91440" bIns="45720" rtlCol="0" anchor="b">
+            <a:normAutofit fontScale="97500"/>
+          </a:bodyPr>
+          <a:lstStyle>
+            <a:lvl1pPr algn="ctr" defTabSz="457200" rtl="0" eaLnBrk="1" latinLnBrk="0" hangingPunct="1">
+              <a:spcBef>
+                <a:spcPct val="0"/>
+              </a:spcBef>
+              <a:buNone/>
+              <a:defRPr sz="4800" kern="1200" cap="all">
+                <a:ln w="3175" cmpd="sng">
+                  <a:noFill/>
+                </a:ln>
+                <a:solidFill>
+                  <a:schemeClr val="accent1"/>
+                </a:solidFill>
+                <a:effectLst>
+                  <a:glow rad="38100">
+                    <a:schemeClr val="bg1">
+                      <a:lumMod val="65000"/>
+                      <a:lumOff val="35000"/>
+                      <a:alpha val="50000"/>
+                    </a:schemeClr>
+                  </a:glow>
+                  <a:outerShdw blurRad="28575" dist="31750" dir="13200000" algn="tl" rotWithShape="0">
+                    <a:srgbClr val="000000">
+                      <a:alpha val="25000"/>
+                    </a:srgbClr>
+                  </a:outerShdw>
+                </a:effectLst>
+                <a:latin typeface="+mj-lt"/>
+                <a:ea typeface="+mj-ea"/>
+                <a:cs typeface="+mj-cs"/>
+              </a:defRPr>
+            </a:lvl1pPr>
+            <a:lvl2pPr eaLnBrk="1" hangingPunct="1">
+              <a:defRPr>
+                <a:solidFill>
+                  <a:schemeClr val="tx2"/>
+                </a:solidFill>
+              </a:defRPr>
+            </a:lvl2pPr>
+            <a:lvl3pPr eaLnBrk="1" hangingPunct="1">
+              <a:defRPr>
+                <a:solidFill>
+                  <a:schemeClr val="tx2"/>
+                </a:solidFill>
+              </a:defRPr>
+            </a:lvl3pPr>
+            <a:lvl4pPr eaLnBrk="1" hangingPunct="1">
+              <a:defRPr>
+                <a:solidFill>
+                  <a:schemeClr val="tx2"/>
+                </a:solidFill>
+              </a:defRPr>
+            </a:lvl4pPr>
+            <a:lvl5pPr eaLnBrk="1" hangingPunct="1">
+              <a:defRPr>
+                <a:solidFill>
+                  <a:schemeClr val="tx2"/>
+                </a:solidFill>
+              </a:defRPr>
+            </a:lvl5pPr>
+            <a:lvl6pPr eaLnBrk="1" hangingPunct="1">
+              <a:defRPr>
+                <a:solidFill>
+                  <a:schemeClr val="tx2"/>
+                </a:solidFill>
+              </a:defRPr>
+            </a:lvl6pPr>
+            <a:lvl7pPr eaLnBrk="1" hangingPunct="1">
+              <a:defRPr>
+                <a:solidFill>
+                  <a:schemeClr val="tx2"/>
+                </a:solidFill>
+              </a:defRPr>
+            </a:lvl7pPr>
+            <a:lvl8pPr eaLnBrk="1" hangingPunct="1">
+              <a:defRPr>
+                <a:solidFill>
+                  <a:schemeClr val="tx2"/>
+                </a:solidFill>
+              </a:defRPr>
+            </a:lvl8pPr>
+            <a:lvl9pPr eaLnBrk="1" hangingPunct="1">
+              <a:defRPr>
+                <a:solidFill>
+                  <a:schemeClr val="tx2"/>
+                </a:solidFill>
+              </a:defRPr>
+            </a:lvl9pPr>
+          </a:lstStyle>
+          <a:p>
+            <a:r>
+              <a:rPr lang="fr-BE" dirty="0" err="1"/>
+              <a:t>Jest</a:t>
+            </a:r>
+            <a:endParaRPr lang="en-BE" dirty="0"/>
           </a:p>
         </p:txBody>
       </p:sp>
@@ -6935,6 +7888,84 @@
   <p:clrMapOvr>
     <a:masterClrMapping/>
   </p:clrMapOvr>
+  <p:timing>
+    <p:tnLst>
+      <p:par>
+        <p:cTn id="1" dur="indefinite" restart="never" nodeType="tmRoot">
+          <p:childTnLst>
+            <p:seq concurrent="1" nextAc="seek">
+              <p:cTn id="2" dur="indefinite" nodeType="mainSeq">
+                <p:childTnLst>
+                  <p:par>
+                    <p:cTn id="3" fill="hold">
+                      <p:stCondLst>
+                        <p:cond delay="indefinite"/>
+                      </p:stCondLst>
+                      <p:childTnLst>
+                        <p:par>
+                          <p:cTn id="4" fill="hold">
+                            <p:stCondLst>
+                              <p:cond delay="0"/>
+                            </p:stCondLst>
+                            <p:childTnLst>
+                              <p:par>
+                                <p:cTn id="5" presetID="1" presetClass="entr" presetSubtype="0" fill="hold" grpId="0" nodeType="clickEffect">
+                                  <p:stCondLst>
+                                    <p:cond delay="0"/>
+                                  </p:stCondLst>
+                                  <p:childTnLst>
+                                    <p:set>
+                                      <p:cBhvr>
+                                        <p:cTn id="6" dur="1" fill="hold">
+                                          <p:stCondLst>
+                                            <p:cond delay="0"/>
+                                          </p:stCondLst>
+                                        </p:cTn>
+                                        <p:tgtEl>
+                                          <p:spTgt spid="2"/>
+                                        </p:tgtEl>
+                                        <p:attrNameLst>
+                                          <p:attrName>style.visibility</p:attrName>
+                                        </p:attrNameLst>
+                                      </p:cBhvr>
+                                      <p:to>
+                                        <p:strVal val="visible"/>
+                                      </p:to>
+                                    </p:set>
+                                  </p:childTnLst>
+                                </p:cTn>
+                              </p:par>
+                            </p:childTnLst>
+                          </p:cTn>
+                        </p:par>
+                      </p:childTnLst>
+                    </p:cTn>
+                  </p:par>
+                </p:childTnLst>
+              </p:cTn>
+              <p:prevCondLst>
+                <p:cond evt="onPrev" delay="0">
+                  <p:tgtEl>
+                    <p:sldTgt/>
+                  </p:tgtEl>
+                </p:cond>
+              </p:prevCondLst>
+              <p:nextCondLst>
+                <p:cond evt="onNext" delay="0">
+                  <p:tgtEl>
+                    <p:sldTgt/>
+                  </p:tgtEl>
+                </p:cond>
+              </p:nextCondLst>
+            </p:seq>
+          </p:childTnLst>
+        </p:cTn>
+      </p:par>
+    </p:tnLst>
+    <p:bldLst>
+      <p:bldP spid="2" grpId="0"/>
+    </p:bldLst>
+  </p:timing>
 </p:sld>
 </file>
 

--- a/Frontend-UnitTesting.pptx
+++ b/Frontend-UnitTesting.pptx
@@ -5,13 +5,12 @@
     <p:sldMasterId id="2147483648" r:id="rId7"/>
   </p:sldMasterIdLst>
   <p:notesMasterIdLst>
-    <p:notesMasterId r:id="rId12"/>
+    <p:notesMasterId r:id="rId11"/>
   </p:notesMasterIdLst>
   <p:sldIdLst>
     <p:sldId id="257" r:id="rId8"/>
     <p:sldId id="340" r:id="rId9"/>
-    <p:sldId id="363" r:id="rId10"/>
-    <p:sldId id="362" r:id="rId11"/>
+    <p:sldId id="362" r:id="rId10"/>
   </p:sldIdLst>
   <p:sldSz cx="12192000" cy="6858000"/>
   <p:notesSz cx="6858000" cy="9144000"/>
@@ -121,7 +120,6 @@
         <p14:section name="Start" id="{04D5230C-D0A0-41A6-AA4B-531C71E14636}">
           <p14:sldIdLst>
             <p14:sldId id="340"/>
-            <p14:sldId id="363"/>
             <p14:sldId id="362"/>
           </p14:sldIdLst>
         </p14:section>
@@ -228,7 +226,7 @@
           <a:p>
             <a:fld id="{46C003B6-BCEA-46F3-841E-7B3EC6052E68}" type="datetimeFigureOut">
               <a:rPr lang="en-BE" smtClean="0"/>
-              <a:t>29/03/2023</a:t>
+              <a:t>05/04/2023</a:t>
             </a:fld>
             <a:endParaRPr lang="en-BE"/>
           </a:p>
@@ -751,94 +749,6 @@
     </p:spTree>
     <p:extLst>
       <p:ext uri="{BB962C8B-B14F-4D97-AF65-F5344CB8AC3E}">
-        <p14:creationId xmlns:p14="http://schemas.microsoft.com/office/powerpoint/2010/main" val="2295402922"/>
-      </p:ext>
-    </p:extLst>
-  </p:cSld>
-  <p:clrMapOvr>
-    <a:masterClrMapping/>
-  </p:clrMapOvr>
-</p:notes>
-</file>
-
-<file path=ppt/notesSlides/notesSlide4.xml><?xml version="1.0" encoding="utf-8"?>
-<p:notes xmlns:a="http://schemas.openxmlformats.org/drawingml/2006/main" xmlns:r="http://schemas.openxmlformats.org/officeDocument/2006/relationships" xmlns:p="http://schemas.openxmlformats.org/presentationml/2006/main">
-  <p:cSld>
-    <p:spTree>
-      <p:nvGrpSpPr>
-        <p:cNvPr id="1" name=""/>
-        <p:cNvGrpSpPr/>
-        <p:nvPr/>
-      </p:nvGrpSpPr>
-      <p:grpSpPr>
-        <a:xfrm>
-          <a:off x="0" y="0"/>
-          <a:ext cx="0" cy="0"/>
-          <a:chOff x="0" y="0"/>
-          <a:chExt cx="0" cy="0"/>
-        </a:xfrm>
-      </p:grpSpPr>
-      <p:sp>
-        <p:nvSpPr>
-          <p:cNvPr id="2" name="Slide Image Placeholder 1"/>
-          <p:cNvSpPr>
-            <a:spLocks noGrp="1" noRot="1" noChangeAspect="1"/>
-          </p:cNvSpPr>
-          <p:nvPr>
-            <p:ph type="sldImg"/>
-          </p:nvPr>
-        </p:nvSpPr>
-        <p:spPr/>
-      </p:sp>
-      <p:sp>
-        <p:nvSpPr>
-          <p:cNvPr id="3" name="Notes Placeholder 2"/>
-          <p:cNvSpPr>
-            <a:spLocks noGrp="1"/>
-          </p:cNvSpPr>
-          <p:nvPr>
-            <p:ph type="body" idx="1"/>
-          </p:nvPr>
-        </p:nvSpPr>
-        <p:spPr/>
-        <p:txBody>
-          <a:bodyPr/>
-          <a:lstStyle/>
-          <a:p>
-            <a:pPr marL="0" indent="0">
-              <a:buFont typeface="Arial" panose="020B0604020202020204" pitchFamily="34" charset="0"/>
-              <a:buNone/>
-            </a:pPr>
-            <a:endParaRPr lang="en-BE" dirty="0"/>
-          </a:p>
-        </p:txBody>
-      </p:sp>
-      <p:sp>
-        <p:nvSpPr>
-          <p:cNvPr id="4" name="Slide Number Placeholder 3"/>
-          <p:cNvSpPr>
-            <a:spLocks noGrp="1"/>
-          </p:cNvSpPr>
-          <p:nvPr>
-            <p:ph type="sldNum" sz="quarter" idx="5"/>
-          </p:nvPr>
-        </p:nvSpPr>
-        <p:spPr/>
-        <p:txBody>
-          <a:bodyPr/>
-          <a:lstStyle/>
-          <a:p>
-            <a:fld id="{8915C132-08CE-4B37-9E6D-AB9DDA075120}" type="slidenum">
-              <a:rPr lang="en-BE" smtClean="0"/>
-              <a:t>4</a:t>
-            </a:fld>
-            <a:endParaRPr lang="en-BE"/>
-          </a:p>
-        </p:txBody>
-      </p:sp>
-    </p:spTree>
-    <p:extLst>
-      <p:ext uri="{BB962C8B-B14F-4D97-AF65-F5344CB8AC3E}">
         <p14:creationId xmlns:p14="http://schemas.microsoft.com/office/powerpoint/2010/main" val="982781998"/>
       </p:ext>
     </p:extLst>
@@ -1052,7 +962,7 @@
             <a:fld id="{B61BEF0D-F0BB-DE4B-95CE-6DB70DBA9567}" type="datetimeFigureOut">
               <a:rPr lang="en-US" dirty="0"/>
               <a:pPr/>
-              <a:t>3/29/2023</a:t>
+              <a:t>4/5/2023</a:t>
             </a:fld>
             <a:endParaRPr lang="en-US" dirty="0"/>
           </a:p>
@@ -1340,7 +1250,7 @@
             <a:fld id="{B61BEF0D-F0BB-DE4B-95CE-6DB70DBA9567}" type="datetimeFigureOut">
               <a:rPr lang="en-US" dirty="0"/>
               <a:pPr/>
-              <a:t>3/29/2023</a:t>
+              <a:t>4/5/2023</a:t>
             </a:fld>
             <a:endParaRPr lang="en-US" dirty="0"/>
           </a:p>
@@ -1585,7 +1495,7 @@
             <a:fld id="{B61BEF0D-F0BB-DE4B-95CE-6DB70DBA9567}" type="datetimeFigureOut">
               <a:rPr lang="en-US" dirty="0"/>
               <a:pPr/>
-              <a:t>3/29/2023</a:t>
+              <a:t>4/5/2023</a:t>
             </a:fld>
             <a:endParaRPr lang="en-US" dirty="0"/>
           </a:p>
@@ -2118,7 +2028,7 @@
             <a:fld id="{B61BEF0D-F0BB-DE4B-95CE-6DB70DBA9567}" type="datetimeFigureOut">
               <a:rPr lang="en-US" dirty="0"/>
               <a:pPr/>
-              <a:t>3/29/2023</a:t>
+              <a:t>4/5/2023</a:t>
             </a:fld>
             <a:endParaRPr lang="en-US" dirty="0"/>
           </a:p>
@@ -2363,7 +2273,7 @@
             <a:fld id="{B61BEF0D-F0BB-DE4B-95CE-6DB70DBA9567}" type="datetimeFigureOut">
               <a:rPr lang="en-US" dirty="0"/>
               <a:pPr/>
-              <a:t>3/29/2023</a:t>
+              <a:t>4/5/2023</a:t>
             </a:fld>
             <a:endParaRPr lang="en-US" dirty="0"/>
           </a:p>
@@ -2903,7 +2813,7 @@
             <a:fld id="{B61BEF0D-F0BB-DE4B-95CE-6DB70DBA9567}" type="datetimeFigureOut">
               <a:rPr lang="en-US" dirty="0"/>
               <a:pPr/>
-              <a:t>3/29/2023</a:t>
+              <a:t>4/5/2023</a:t>
             </a:fld>
             <a:endParaRPr lang="en-US" dirty="0"/>
           </a:p>
@@ -3210,7 +3120,7 @@
             <a:fld id="{B61BEF0D-F0BB-DE4B-95CE-6DB70DBA9567}" type="datetimeFigureOut">
               <a:rPr lang="en-US" dirty="0"/>
               <a:pPr/>
-              <a:t>3/29/2023</a:t>
+              <a:t>4/5/2023</a:t>
             </a:fld>
             <a:endParaRPr lang="en-US" dirty="0"/>
           </a:p>
@@ -3382,7 +3292,7 @@
             <a:fld id="{B61BEF0D-F0BB-DE4B-95CE-6DB70DBA9567}" type="datetimeFigureOut">
               <a:rPr lang="en-US" dirty="0"/>
               <a:pPr/>
-              <a:t>3/29/2023</a:t>
+              <a:t>4/5/2023</a:t>
             </a:fld>
             <a:endParaRPr lang="en-US" dirty="0"/>
           </a:p>
@@ -3559,7 +3469,7 @@
             <a:fld id="{B61BEF0D-F0BB-DE4B-95CE-6DB70DBA9567}" type="datetimeFigureOut">
               <a:rPr lang="en-US" dirty="0"/>
               <a:pPr/>
-              <a:t>3/29/2023</a:t>
+              <a:t>4/5/2023</a:t>
             </a:fld>
             <a:endParaRPr lang="en-US" dirty="0"/>
           </a:p>
@@ -3726,7 +3636,7 @@
             <a:fld id="{B61BEF0D-F0BB-DE4B-95CE-6DB70DBA9567}" type="datetimeFigureOut">
               <a:rPr lang="en-US" dirty="0"/>
               <a:pPr/>
-              <a:t>3/29/2023</a:t>
+              <a:t>4/5/2023</a:t>
             </a:fld>
             <a:endParaRPr lang="en-US" dirty="0"/>
           </a:p>
@@ -3969,7 +3879,7 @@
             <a:fld id="{B61BEF0D-F0BB-DE4B-95CE-6DB70DBA9567}" type="datetimeFigureOut">
               <a:rPr lang="en-US" dirty="0"/>
               <a:pPr/>
-              <a:t>3/29/2023</a:t>
+              <a:t>4/5/2023</a:t>
             </a:fld>
             <a:endParaRPr lang="en-US" dirty="0"/>
           </a:p>
@@ -4258,7 +4168,7 @@
             <a:fld id="{B61BEF0D-F0BB-DE4B-95CE-6DB70DBA9567}" type="datetimeFigureOut">
               <a:rPr lang="en-US" dirty="0"/>
               <a:pPr/>
-              <a:t>3/29/2023</a:t>
+              <a:t>4/5/2023</a:t>
             </a:fld>
             <a:endParaRPr lang="en-US" dirty="0"/>
           </a:p>
@@ -4685,7 +4595,7 @@
             <a:fld id="{B61BEF0D-F0BB-DE4B-95CE-6DB70DBA9567}" type="datetimeFigureOut">
               <a:rPr lang="en-US" dirty="0"/>
               <a:pPr/>
-              <a:t>3/29/2023</a:t>
+              <a:t>4/5/2023</a:t>
             </a:fld>
             <a:endParaRPr lang="en-US" dirty="0"/>
           </a:p>
@@ -4805,7 +4715,7 @@
             <a:fld id="{B61BEF0D-F0BB-DE4B-95CE-6DB70DBA9567}" type="datetimeFigureOut">
               <a:rPr lang="en-US" dirty="0"/>
               <a:pPr/>
-              <a:t>3/29/2023</a:t>
+              <a:t>4/5/2023</a:t>
             </a:fld>
             <a:endParaRPr lang="en-US" dirty="0"/>
           </a:p>
@@ -4897,7 +4807,7 @@
             <a:fld id="{B61BEF0D-F0BB-DE4B-95CE-6DB70DBA9567}" type="datetimeFigureOut">
               <a:rPr lang="en-US" dirty="0"/>
               <a:pPr/>
-              <a:t>3/29/2023</a:t>
+              <a:t>4/5/2023</a:t>
             </a:fld>
             <a:endParaRPr lang="en-US" dirty="0"/>
           </a:p>
@@ -5177,7 +5087,7 @@
             <a:fld id="{B61BEF0D-F0BB-DE4B-95CE-6DB70DBA9567}" type="datetimeFigureOut">
               <a:rPr lang="en-US" dirty="0"/>
               <a:pPr/>
-              <a:t>3/29/2023</a:t>
+              <a:t>4/5/2023</a:t>
             </a:fld>
             <a:endParaRPr lang="en-US" dirty="0"/>
           </a:p>
@@ -5465,7 +5375,7 @@
             <a:fld id="{B61BEF0D-F0BB-DE4B-95CE-6DB70DBA9567}" type="datetimeFigureOut">
               <a:rPr lang="en-US" dirty="0"/>
               <a:pPr/>
-              <a:t>3/29/2023</a:t>
+              <a:t>4/5/2023</a:t>
             </a:fld>
             <a:endParaRPr lang="en-US" dirty="0"/>
           </a:p>
@@ -5693,7 +5603,7 @@
             <a:fld id="{B61BEF0D-F0BB-DE4B-95CE-6DB70DBA9567}" type="datetimeFigureOut">
               <a:rPr lang="en-US" dirty="0"/>
               <a:pPr/>
-              <a:t>3/29/2023</a:t>
+              <a:t>4/5/2023</a:t>
             </a:fld>
             <a:endParaRPr lang="en-US" dirty="0"/>
           </a:p>
@@ -7970,144 +7880,6 @@
 </file>
 
 <file path=ppt/slides/slide3.xml><?xml version="1.0" encoding="utf-8"?>
-<p:sld xmlns:a="http://schemas.openxmlformats.org/drawingml/2006/main" xmlns:r="http://schemas.openxmlformats.org/officeDocument/2006/relationships" xmlns:p="http://schemas.openxmlformats.org/presentationml/2006/main">
-  <p:cSld>
-    <p:spTree>
-      <p:nvGrpSpPr>
-        <p:cNvPr id="1" name=""/>
-        <p:cNvGrpSpPr/>
-        <p:nvPr/>
-      </p:nvGrpSpPr>
-      <p:grpSpPr>
-        <a:xfrm>
-          <a:off x="0" y="0"/>
-          <a:ext cx="0" cy="0"/>
-          <a:chOff x="0" y="0"/>
-          <a:chExt cx="0" cy="0"/>
-        </a:xfrm>
-      </p:grpSpPr>
-      <p:pic>
-        <p:nvPicPr>
-          <p:cNvPr id="6" name="Picture 5">
-            <a:extLst>
-              <a:ext uri="{FF2B5EF4-FFF2-40B4-BE49-F238E27FC236}">
-                <a16:creationId xmlns:a16="http://schemas.microsoft.com/office/drawing/2014/main" id="{7D1150AD-E424-490F-A3E6-147D047AF505}"/>
-              </a:ext>
-            </a:extLst>
-          </p:cNvPr>
-          <p:cNvPicPr>
-            <a:picLocks noChangeAspect="1"/>
-          </p:cNvPicPr>
-          <p:nvPr>
-            <p:custDataLst>
-              <p:custData r:id="rId1"/>
-            </p:custDataLst>
-          </p:nvPr>
-        </p:nvPicPr>
-        <p:blipFill>
-          <a:blip r:embed="rId4"/>
-          <a:stretch>
-            <a:fillRect/>
-          </a:stretch>
-        </p:blipFill>
-        <p:spPr>
-          <a:xfrm>
-            <a:off x="-88884" y="-22188"/>
-            <a:ext cx="3183776" cy="860893"/>
-          </a:xfrm>
-          <a:prstGeom prst="rect">
-            <a:avLst/>
-          </a:prstGeom>
-        </p:spPr>
-      </p:pic>
-      <p:sp>
-        <p:nvSpPr>
-          <p:cNvPr id="4" name="Title 3">
-            <a:extLst>
-              <a:ext uri="{FF2B5EF4-FFF2-40B4-BE49-F238E27FC236}">
-                <a16:creationId xmlns:a16="http://schemas.microsoft.com/office/drawing/2014/main" id="{29D87857-8B86-4E40-B4FD-6ECD4DA8BEC6}"/>
-              </a:ext>
-            </a:extLst>
-          </p:cNvPr>
-          <p:cNvSpPr>
-            <a:spLocks noGrp="1"/>
-          </p:cNvSpPr>
-          <p:nvPr>
-            <p:ph type="ctrTitle"/>
-          </p:nvPr>
-        </p:nvSpPr>
-        <p:spPr>
-          <a:xfrm>
-            <a:off x="172343" y="613652"/>
-            <a:ext cx="11542512" cy="860893"/>
-          </a:xfrm>
-        </p:spPr>
-        <p:txBody>
-          <a:bodyPr/>
-          <a:lstStyle/>
-          <a:p>
-            <a:r>
-              <a:rPr lang="fr-BE" dirty="0"/>
-              <a:t>Next</a:t>
-            </a:r>
-            <a:endParaRPr lang="en-BE" dirty="0"/>
-          </a:p>
-        </p:txBody>
-      </p:sp>
-      <p:sp>
-        <p:nvSpPr>
-          <p:cNvPr id="8" name="TextBox 7">
-            <a:extLst>
-              <a:ext uri="{FF2B5EF4-FFF2-40B4-BE49-F238E27FC236}">
-                <a16:creationId xmlns:a16="http://schemas.microsoft.com/office/drawing/2014/main" id="{E945BC42-63B2-9B21-BC68-C4B2B0C08A19}"/>
-              </a:ext>
-            </a:extLst>
-          </p:cNvPr>
-          <p:cNvSpPr txBox="1"/>
-          <p:nvPr/>
-        </p:nvSpPr>
-        <p:spPr>
-          <a:xfrm>
-            <a:off x="311809" y="1474545"/>
-            <a:ext cx="11664273" cy="584775"/>
-          </a:xfrm>
-          <a:prstGeom prst="rect">
-            <a:avLst/>
-          </a:prstGeom>
-          <a:noFill/>
-        </p:spPr>
-        <p:txBody>
-          <a:bodyPr wrap="square" rtlCol="0">
-            <a:spAutoFit/>
-          </a:bodyPr>
-          <a:lstStyle/>
-          <a:p>
-            <a:pPr marL="457200" indent="-457200">
-              <a:buFont typeface="Arial" panose="020B0604020202020204" pitchFamily="34" charset="0"/>
-              <a:buChar char="•"/>
-            </a:pPr>
-            <a:r>
-              <a:rPr lang="en-US" sz="3200" dirty="0"/>
-              <a:t>26/9 :</a:t>
-            </a:r>
-            <a:endParaRPr lang="en-BE" sz="3200" dirty="0"/>
-          </a:p>
-        </p:txBody>
-      </p:sp>
-    </p:spTree>
-    <p:extLst>
-      <p:ext uri="{BB962C8B-B14F-4D97-AF65-F5344CB8AC3E}">
-        <p14:creationId xmlns:p14="http://schemas.microsoft.com/office/powerpoint/2010/main" val="3764258580"/>
-      </p:ext>
-    </p:extLst>
-  </p:cSld>
-  <p:clrMapOvr>
-    <a:masterClrMapping/>
-  </p:clrMapOvr>
-</p:sld>
-</file>
-
-<file path=ppt/slides/slide4.xml><?xml version="1.0" encoding="utf-8"?>
 <p:sld xmlns:a="http://schemas.openxmlformats.org/drawingml/2006/main" xmlns:r="http://schemas.openxmlformats.org/officeDocument/2006/relationships" xmlns:p="http://schemas.openxmlformats.org/presentationml/2006/main">
   <p:cSld>
     <p:spTree>
@@ -8845,6 +8617,30 @@
 </file>
 
 <file path=customXml/itemProps1.xml><?xml version="1.0" encoding="utf-8"?>
+<ds:datastoreItem xmlns:ds="http://schemas.openxmlformats.org/officeDocument/2006/customXml" ds:itemID="{A714A584-184D-4334-9B39-881D79A4F0F4}">
+  <ds:schemaRefs>
+    <ds:schemaRef ds:uri="http://schemas.microsoft.com/VisualStudio/2011/storyboarding/control"/>
+  </ds:schemaRefs>
+</ds:datastoreItem>
+</file>
+
+<file path=customXml/itemProps2.xml><?xml version="1.0" encoding="utf-8"?>
+<ds:datastoreItem xmlns:ds="http://schemas.openxmlformats.org/officeDocument/2006/customXml" ds:itemID="{E97C54B5-37C4-44AA-8F62-EE7D927BAEBF}">
+  <ds:schemaRefs>
+    <ds:schemaRef ds:uri="http://schemas.microsoft.com/VisualStudio/2011/storyboarding/control"/>
+  </ds:schemaRefs>
+</ds:datastoreItem>
+</file>
+
+<file path=customXml/itemProps3.xml><?xml version="1.0" encoding="utf-8"?>
+<ds:datastoreItem xmlns:ds="http://schemas.openxmlformats.org/officeDocument/2006/customXml" ds:itemID="{F9EBE2CE-6713-4ACE-BA85-AE6B6C8A927D}">
+  <ds:schemaRefs>
+    <ds:schemaRef ds:uri="http://schemas.microsoft.com/VisualStudio/2011/storyboarding/control"/>
+  </ds:schemaRefs>
+</ds:datastoreItem>
+</file>
+
+<file path=customXml/itemProps4.xml><?xml version="1.0" encoding="utf-8"?>
 <ds:datastoreItem xmlns:ds="http://schemas.openxmlformats.org/officeDocument/2006/customXml" ds:itemID="{83121EFB-4893-415B-B7BD-F940E893B2BD}">
   <ds:schemaRefs>
     <ds:schemaRef ds:uri="http://schemas.microsoft.com/VisualStudio/2011/storyboarding/control"/>
@@ -8852,32 +8648,8 @@
 </ds:datastoreItem>
 </file>
 
-<file path=customXml/itemProps2.xml><?xml version="1.0" encoding="utf-8"?>
-<ds:datastoreItem xmlns:ds="http://schemas.openxmlformats.org/officeDocument/2006/customXml" ds:itemID="{F9EBE2CE-6713-4ACE-BA85-AE6B6C8A927D}">
-  <ds:schemaRefs>
-    <ds:schemaRef ds:uri="http://schemas.microsoft.com/VisualStudio/2011/storyboarding/control"/>
-  </ds:schemaRefs>
-</ds:datastoreItem>
-</file>
-
-<file path=customXml/itemProps3.xml><?xml version="1.0" encoding="utf-8"?>
-<ds:datastoreItem xmlns:ds="http://schemas.openxmlformats.org/officeDocument/2006/customXml" ds:itemID="{E97C54B5-37C4-44AA-8F62-EE7D927BAEBF}">
-  <ds:schemaRefs>
-    <ds:schemaRef ds:uri="http://schemas.microsoft.com/VisualStudio/2011/storyboarding/control"/>
-  </ds:schemaRefs>
-</ds:datastoreItem>
-</file>
-
-<file path=customXml/itemProps4.xml><?xml version="1.0" encoding="utf-8"?>
-<ds:datastoreItem xmlns:ds="http://schemas.openxmlformats.org/officeDocument/2006/customXml" ds:itemID="{A714A584-184D-4334-9B39-881D79A4F0F4}">
-  <ds:schemaRefs>
-    <ds:schemaRef ds:uri="http://schemas.microsoft.com/VisualStudio/2011/storyboarding/control"/>
-  </ds:schemaRefs>
-</ds:datastoreItem>
-</file>
-
 <file path=customXml/itemProps5.xml><?xml version="1.0" encoding="utf-8"?>
-<ds:datastoreItem xmlns:ds="http://schemas.openxmlformats.org/officeDocument/2006/customXml" ds:itemID="{C9A349EB-25C0-432F-BCC6-B672C9EAA1C2}">
+<ds:datastoreItem xmlns:ds="http://schemas.openxmlformats.org/officeDocument/2006/customXml" ds:itemID="{601F3AC1-2912-40D8-B95C-682FE8DB39DD}">
   <ds:schemaRefs>
     <ds:schemaRef ds:uri="http://schemas.microsoft.com/VisualStudio/2011/storyboarding/control"/>
   </ds:schemaRefs>
@@ -8885,7 +8657,7 @@
 </file>
 
 <file path=customXml/itemProps6.xml><?xml version="1.0" encoding="utf-8"?>
-<ds:datastoreItem xmlns:ds="http://schemas.openxmlformats.org/officeDocument/2006/customXml" ds:itemID="{601F3AC1-2912-40D8-B95C-682FE8DB39DD}">
+<ds:datastoreItem xmlns:ds="http://schemas.openxmlformats.org/officeDocument/2006/customXml" ds:itemID="{C9A349EB-25C0-432F-BCC6-B672C9EAA1C2}">
   <ds:schemaRefs>
     <ds:schemaRef ds:uri="http://schemas.microsoft.com/VisualStudio/2011/storyboarding/control"/>
   </ds:schemaRefs>
